--- a/Project proposel.pptx
+++ b/Project proposel.pptx
@@ -4,6 +4,9 @@
   <p:sldMasterIdLst>
     <p:sldMasterId id="2147483648" r:id="rId1"/>
   </p:sldMasterIdLst>
+  <p:notesMasterIdLst>
+    <p:notesMasterId r:id="rId9"/>
+  </p:notesMasterIdLst>
   <p:sldIdLst>
     <p:sldId id="256" r:id="rId2"/>
     <p:sldId id="257" r:id="rId3"/>
@@ -134,6 +137,606 @@
     </p:ext>
   </p:extLst>
 </p:presentation>
+</file>
+
+<file path=ppt/commentAuthors.xml><?xml version="1.0" encoding="utf-8"?>
+<p:cmAuthorLst xmlns:a="http://schemas.openxmlformats.org/drawingml/2006/main" xmlns:r="http://schemas.openxmlformats.org/officeDocument/2006/relationships" xmlns:p="http://schemas.openxmlformats.org/presentationml/2006/main">
+  <p:cmAuthor id="1" name="Ann-Sophie" initials="A" lastIdx="1" clrIdx="0">
+    <p:extLst>
+      <p:ext uri="{19B8F6BF-5375-455C-9EA6-DF929625EA0E}">
+        <p15:presenceInfo xmlns:p15="http://schemas.microsoft.com/office/powerpoint/2012/main" userId="Ann-Sophie" providerId="None"/>
+      </p:ext>
+    </p:extLst>
+  </p:cmAuthor>
+</p:cmAuthorLst>
+</file>
+
+<file path=ppt/notesMasters/notesMaster1.xml><?xml version="1.0" encoding="utf-8"?>
+<p:notesMaster xmlns:a="http://schemas.openxmlformats.org/drawingml/2006/main" xmlns:r="http://schemas.openxmlformats.org/officeDocument/2006/relationships" xmlns:p="http://schemas.openxmlformats.org/presentationml/2006/main">
+  <p:cSld>
+    <p:bg>
+      <p:bgRef idx="1001">
+        <a:schemeClr val="bg1"/>
+      </p:bgRef>
+    </p:bg>
+    <p:spTree>
+      <p:nvGrpSpPr>
+        <p:cNvPr id="1" name=""/>
+        <p:cNvGrpSpPr/>
+        <p:nvPr/>
+      </p:nvGrpSpPr>
+      <p:grpSpPr>
+        <a:xfrm>
+          <a:off x="0" y="0"/>
+          <a:ext cx="0" cy="0"/>
+          <a:chOff x="0" y="0"/>
+          <a:chExt cx="0" cy="0"/>
+        </a:xfrm>
+      </p:grpSpPr>
+      <p:sp>
+        <p:nvSpPr>
+          <p:cNvPr id="2" name="Kopfzeilenplatzhalter 1"/>
+          <p:cNvSpPr>
+            <a:spLocks noGrp="1"/>
+          </p:cNvSpPr>
+          <p:nvPr>
+            <p:ph type="hdr" sz="quarter"/>
+          </p:nvPr>
+        </p:nvSpPr>
+        <p:spPr>
+          <a:xfrm>
+            <a:off x="0" y="0"/>
+            <a:ext cx="2971800" cy="458788"/>
+          </a:xfrm>
+          <a:prstGeom prst="rect">
+            <a:avLst/>
+          </a:prstGeom>
+        </p:spPr>
+        <p:txBody>
+          <a:bodyPr vert="horz" lIns="91440" tIns="45720" rIns="91440" bIns="45720" rtlCol="0"/>
+          <a:lstStyle>
+            <a:lvl1pPr algn="l">
+              <a:defRPr sz="1200"/>
+            </a:lvl1pPr>
+          </a:lstStyle>
+          <a:p>
+            <a:endParaRPr lang="de-DE"/>
+          </a:p>
+        </p:txBody>
+      </p:sp>
+      <p:sp>
+        <p:nvSpPr>
+          <p:cNvPr id="3" name="Datumsplatzhalter 2"/>
+          <p:cNvSpPr>
+            <a:spLocks noGrp="1"/>
+          </p:cNvSpPr>
+          <p:nvPr>
+            <p:ph type="dt" idx="1"/>
+          </p:nvPr>
+        </p:nvSpPr>
+        <p:spPr>
+          <a:xfrm>
+            <a:off x="3884613" y="0"/>
+            <a:ext cx="2971800" cy="458788"/>
+          </a:xfrm>
+          <a:prstGeom prst="rect">
+            <a:avLst/>
+          </a:prstGeom>
+        </p:spPr>
+        <p:txBody>
+          <a:bodyPr vert="horz" lIns="91440" tIns="45720" rIns="91440" bIns="45720" rtlCol="0"/>
+          <a:lstStyle>
+            <a:lvl1pPr algn="r">
+              <a:defRPr sz="1200"/>
+            </a:lvl1pPr>
+          </a:lstStyle>
+          <a:p>
+            <a:fld id="{EB5A88CD-984E-453A-A353-FC3BC792E4AA}" type="datetimeFigureOut">
+              <a:rPr lang="de-DE" smtClean="0"/>
+              <a:t>01.05.2019</a:t>
+            </a:fld>
+            <a:endParaRPr lang="de-DE"/>
+          </a:p>
+        </p:txBody>
+      </p:sp>
+      <p:sp>
+        <p:nvSpPr>
+          <p:cNvPr id="4" name="Folienbildplatzhalter 3"/>
+          <p:cNvSpPr>
+            <a:spLocks noGrp="1" noRot="1" noChangeAspect="1"/>
+          </p:cNvSpPr>
+          <p:nvPr>
+            <p:ph type="sldImg" idx="2"/>
+          </p:nvPr>
+        </p:nvSpPr>
+        <p:spPr>
+          <a:xfrm>
+            <a:off x="685800" y="1143000"/>
+            <a:ext cx="5486400" cy="3086100"/>
+          </a:xfrm>
+          <a:prstGeom prst="rect">
+            <a:avLst/>
+          </a:prstGeom>
+          <a:noFill/>
+          <a:ln w="12700">
+            <a:solidFill>
+              <a:prstClr val="black"/>
+            </a:solidFill>
+          </a:ln>
+        </p:spPr>
+        <p:txBody>
+          <a:bodyPr vert="horz" lIns="91440" tIns="45720" rIns="91440" bIns="45720" rtlCol="0" anchor="ctr"/>
+          <a:lstStyle/>
+          <a:p>
+            <a:endParaRPr lang="de-DE"/>
+          </a:p>
+        </p:txBody>
+      </p:sp>
+      <p:sp>
+        <p:nvSpPr>
+          <p:cNvPr id="5" name="Notizenplatzhalter 4"/>
+          <p:cNvSpPr>
+            <a:spLocks noGrp="1"/>
+          </p:cNvSpPr>
+          <p:nvPr>
+            <p:ph type="body" sz="quarter" idx="3"/>
+          </p:nvPr>
+        </p:nvSpPr>
+        <p:spPr>
+          <a:xfrm>
+            <a:off x="685800" y="4400550"/>
+            <a:ext cx="5486400" cy="3600450"/>
+          </a:xfrm>
+          <a:prstGeom prst="rect">
+            <a:avLst/>
+          </a:prstGeom>
+        </p:spPr>
+        <p:txBody>
+          <a:bodyPr vert="horz" lIns="91440" tIns="45720" rIns="91440" bIns="45720" rtlCol="0"/>
+          <a:lstStyle/>
+          <a:p>
+            <a:pPr lvl="0"/>
+            <a:r>
+              <a:rPr lang="de-DE"/>
+              <a:t>Mastertextformat bearbeiten</a:t>
+            </a:r>
+          </a:p>
+          <a:p>
+            <a:pPr lvl="1"/>
+            <a:r>
+              <a:rPr lang="de-DE"/>
+              <a:t>Zweite Ebene</a:t>
+            </a:r>
+          </a:p>
+          <a:p>
+            <a:pPr lvl="2"/>
+            <a:r>
+              <a:rPr lang="de-DE"/>
+              <a:t>Dritte Ebene</a:t>
+            </a:r>
+          </a:p>
+          <a:p>
+            <a:pPr lvl="3"/>
+            <a:r>
+              <a:rPr lang="de-DE"/>
+              <a:t>Vierte Ebene</a:t>
+            </a:r>
+          </a:p>
+          <a:p>
+            <a:pPr lvl="4"/>
+            <a:r>
+              <a:rPr lang="de-DE"/>
+              <a:t>Fünfte Ebene</a:t>
+            </a:r>
+          </a:p>
+        </p:txBody>
+      </p:sp>
+      <p:sp>
+        <p:nvSpPr>
+          <p:cNvPr id="6" name="Fußzeilenplatzhalter 5"/>
+          <p:cNvSpPr>
+            <a:spLocks noGrp="1"/>
+          </p:cNvSpPr>
+          <p:nvPr>
+            <p:ph type="ftr" sz="quarter" idx="4"/>
+          </p:nvPr>
+        </p:nvSpPr>
+        <p:spPr>
+          <a:xfrm>
+            <a:off x="0" y="8685213"/>
+            <a:ext cx="2971800" cy="458787"/>
+          </a:xfrm>
+          <a:prstGeom prst="rect">
+            <a:avLst/>
+          </a:prstGeom>
+        </p:spPr>
+        <p:txBody>
+          <a:bodyPr vert="horz" lIns="91440" tIns="45720" rIns="91440" bIns="45720" rtlCol="0" anchor="b"/>
+          <a:lstStyle>
+            <a:lvl1pPr algn="l">
+              <a:defRPr sz="1200"/>
+            </a:lvl1pPr>
+          </a:lstStyle>
+          <a:p>
+            <a:endParaRPr lang="de-DE"/>
+          </a:p>
+        </p:txBody>
+      </p:sp>
+      <p:sp>
+        <p:nvSpPr>
+          <p:cNvPr id="7" name="Foliennummernplatzhalter 6"/>
+          <p:cNvSpPr>
+            <a:spLocks noGrp="1"/>
+          </p:cNvSpPr>
+          <p:nvPr>
+            <p:ph type="sldNum" sz="quarter" idx="5"/>
+          </p:nvPr>
+        </p:nvSpPr>
+        <p:spPr>
+          <a:xfrm>
+            <a:off x="3884613" y="8685213"/>
+            <a:ext cx="2971800" cy="458787"/>
+          </a:xfrm>
+          <a:prstGeom prst="rect">
+            <a:avLst/>
+          </a:prstGeom>
+        </p:spPr>
+        <p:txBody>
+          <a:bodyPr vert="horz" lIns="91440" tIns="45720" rIns="91440" bIns="45720" rtlCol="0" anchor="b"/>
+          <a:lstStyle>
+            <a:lvl1pPr algn="r">
+              <a:defRPr sz="1200"/>
+            </a:lvl1pPr>
+          </a:lstStyle>
+          <a:p>
+            <a:fld id="{D7734C46-2FDE-4E34-889F-F66767A6595D}" type="slidenum">
+              <a:rPr lang="de-DE" smtClean="0"/>
+              <a:t>‹Nr.›</a:t>
+            </a:fld>
+            <a:endParaRPr lang="de-DE"/>
+          </a:p>
+        </p:txBody>
+      </p:sp>
+    </p:spTree>
+    <p:extLst>
+      <p:ext uri="{BB962C8B-B14F-4D97-AF65-F5344CB8AC3E}">
+        <p14:creationId xmlns:p14="http://schemas.microsoft.com/office/powerpoint/2010/main" val="3543620435"/>
+      </p:ext>
+    </p:extLst>
+  </p:cSld>
+  <p:clrMap bg1="lt1" tx1="dk1" bg2="lt2" tx2="dk2" accent1="accent1" accent2="accent2" accent3="accent3" accent4="accent4" accent5="accent5" accent6="accent6" hlink="hlink" folHlink="folHlink"/>
+  <p:notesStyle>
+    <a:lvl1pPr marL="0" algn="l" defTabSz="914400" rtl="0" eaLnBrk="1" latinLnBrk="0" hangingPunct="1">
+      <a:defRPr sz="1200" kern="1200">
+        <a:solidFill>
+          <a:schemeClr val="tx1"/>
+        </a:solidFill>
+        <a:latin typeface="+mn-lt"/>
+        <a:ea typeface="+mn-ea"/>
+        <a:cs typeface="+mn-cs"/>
+      </a:defRPr>
+    </a:lvl1pPr>
+    <a:lvl2pPr marL="457200" algn="l" defTabSz="914400" rtl="0" eaLnBrk="1" latinLnBrk="0" hangingPunct="1">
+      <a:defRPr sz="1200" kern="1200">
+        <a:solidFill>
+          <a:schemeClr val="tx1"/>
+        </a:solidFill>
+        <a:latin typeface="+mn-lt"/>
+        <a:ea typeface="+mn-ea"/>
+        <a:cs typeface="+mn-cs"/>
+      </a:defRPr>
+    </a:lvl2pPr>
+    <a:lvl3pPr marL="914400" algn="l" defTabSz="914400" rtl="0" eaLnBrk="1" latinLnBrk="0" hangingPunct="1">
+      <a:defRPr sz="1200" kern="1200">
+        <a:solidFill>
+          <a:schemeClr val="tx1"/>
+        </a:solidFill>
+        <a:latin typeface="+mn-lt"/>
+        <a:ea typeface="+mn-ea"/>
+        <a:cs typeface="+mn-cs"/>
+      </a:defRPr>
+    </a:lvl3pPr>
+    <a:lvl4pPr marL="1371600" algn="l" defTabSz="914400" rtl="0" eaLnBrk="1" latinLnBrk="0" hangingPunct="1">
+      <a:defRPr sz="1200" kern="1200">
+        <a:solidFill>
+          <a:schemeClr val="tx1"/>
+        </a:solidFill>
+        <a:latin typeface="+mn-lt"/>
+        <a:ea typeface="+mn-ea"/>
+        <a:cs typeface="+mn-cs"/>
+      </a:defRPr>
+    </a:lvl4pPr>
+    <a:lvl5pPr marL="1828800" algn="l" defTabSz="914400" rtl="0" eaLnBrk="1" latinLnBrk="0" hangingPunct="1">
+      <a:defRPr sz="1200" kern="1200">
+        <a:solidFill>
+          <a:schemeClr val="tx1"/>
+        </a:solidFill>
+        <a:latin typeface="+mn-lt"/>
+        <a:ea typeface="+mn-ea"/>
+        <a:cs typeface="+mn-cs"/>
+      </a:defRPr>
+    </a:lvl5pPr>
+    <a:lvl6pPr marL="2286000" algn="l" defTabSz="914400" rtl="0" eaLnBrk="1" latinLnBrk="0" hangingPunct="1">
+      <a:defRPr sz="1200" kern="1200">
+        <a:solidFill>
+          <a:schemeClr val="tx1"/>
+        </a:solidFill>
+        <a:latin typeface="+mn-lt"/>
+        <a:ea typeface="+mn-ea"/>
+        <a:cs typeface="+mn-cs"/>
+      </a:defRPr>
+    </a:lvl6pPr>
+    <a:lvl7pPr marL="2743200" algn="l" defTabSz="914400" rtl="0" eaLnBrk="1" latinLnBrk="0" hangingPunct="1">
+      <a:defRPr sz="1200" kern="1200">
+        <a:solidFill>
+          <a:schemeClr val="tx1"/>
+        </a:solidFill>
+        <a:latin typeface="+mn-lt"/>
+        <a:ea typeface="+mn-ea"/>
+        <a:cs typeface="+mn-cs"/>
+      </a:defRPr>
+    </a:lvl7pPr>
+    <a:lvl8pPr marL="3200400" algn="l" defTabSz="914400" rtl="0" eaLnBrk="1" latinLnBrk="0" hangingPunct="1">
+      <a:defRPr sz="1200" kern="1200">
+        <a:solidFill>
+          <a:schemeClr val="tx1"/>
+        </a:solidFill>
+        <a:latin typeface="+mn-lt"/>
+        <a:ea typeface="+mn-ea"/>
+        <a:cs typeface="+mn-cs"/>
+      </a:defRPr>
+    </a:lvl8pPr>
+    <a:lvl9pPr marL="3657600" algn="l" defTabSz="914400" rtl="0" eaLnBrk="1" latinLnBrk="0" hangingPunct="1">
+      <a:defRPr sz="1200" kern="1200">
+        <a:solidFill>
+          <a:schemeClr val="tx1"/>
+        </a:solidFill>
+        <a:latin typeface="+mn-lt"/>
+        <a:ea typeface="+mn-ea"/>
+        <a:cs typeface="+mn-cs"/>
+      </a:defRPr>
+    </a:lvl9pPr>
+  </p:notesStyle>
+</p:notesMaster>
+</file>
+
+<file path=ppt/notesSlides/notesSlide1.xml><?xml version="1.0" encoding="utf-8"?>
+<p:notes xmlns:a="http://schemas.openxmlformats.org/drawingml/2006/main" xmlns:r="http://schemas.openxmlformats.org/officeDocument/2006/relationships" xmlns:p="http://schemas.openxmlformats.org/presentationml/2006/main">
+  <p:cSld>
+    <p:spTree>
+      <p:nvGrpSpPr>
+        <p:cNvPr id="1" name=""/>
+        <p:cNvGrpSpPr/>
+        <p:nvPr/>
+      </p:nvGrpSpPr>
+      <p:grpSpPr>
+        <a:xfrm>
+          <a:off x="0" y="0"/>
+          <a:ext cx="0" cy="0"/>
+          <a:chOff x="0" y="0"/>
+          <a:chExt cx="0" cy="0"/>
+        </a:xfrm>
+      </p:grpSpPr>
+      <p:sp>
+        <p:nvSpPr>
+          <p:cNvPr id="2" name="Folienbildplatzhalter 1"/>
+          <p:cNvSpPr>
+            <a:spLocks noGrp="1" noRot="1" noChangeAspect="1"/>
+          </p:cNvSpPr>
+          <p:nvPr>
+            <p:ph type="sldImg"/>
+          </p:nvPr>
+        </p:nvSpPr>
+        <p:spPr/>
+      </p:sp>
+      <p:sp>
+        <p:nvSpPr>
+          <p:cNvPr id="3" name="Notizenplatzhalter 2"/>
+          <p:cNvSpPr>
+            <a:spLocks noGrp="1"/>
+          </p:cNvSpPr>
+          <p:nvPr>
+            <p:ph type="body" idx="1"/>
+          </p:nvPr>
+        </p:nvSpPr>
+        <p:spPr/>
+        <p:txBody>
+          <a:bodyPr/>
+          <a:lstStyle/>
+          <a:p>
+            <a:pPr marL="0" marR="0" lvl="0" indent="0" algn="l" defTabSz="914400" rtl="0" eaLnBrk="1" fontAlgn="auto" latinLnBrk="0" hangingPunct="1">
+              <a:lnSpc>
+                <a:spcPct val="100000"/>
+              </a:lnSpc>
+              <a:spcBef>
+                <a:spcPts val="0"/>
+              </a:spcBef>
+              <a:spcAft>
+                <a:spcPts val="0"/>
+              </a:spcAft>
+              <a:buClrTx/>
+              <a:buSzTx/>
+              <a:buFontTx/>
+              <a:buNone/>
+              <a:tabLst/>
+              <a:defRPr/>
+            </a:pPr>
+            <a:r>
+              <a:rPr lang="de-DE" dirty="0" err="1"/>
+              <a:t>Differences</a:t>
+            </a:r>
+            <a:r>
+              <a:rPr lang="de-DE" dirty="0"/>
+              <a:t> </a:t>
+            </a:r>
+            <a:r>
+              <a:rPr lang="de-DE" dirty="0" err="1"/>
+              <a:t>between</a:t>
+            </a:r>
+            <a:r>
+              <a:rPr lang="de-DE" dirty="0"/>
+              <a:t> </a:t>
+            </a:r>
+            <a:r>
+              <a:rPr lang="de-DE" dirty="0" err="1"/>
+              <a:t>cell</a:t>
+            </a:r>
+            <a:r>
+              <a:rPr lang="de-DE" dirty="0"/>
+              <a:t> </a:t>
+            </a:r>
+            <a:r>
+              <a:rPr lang="de-DE" dirty="0" err="1"/>
+              <a:t>lines</a:t>
+            </a:r>
+            <a:r>
+              <a:rPr lang="de-DE" dirty="0"/>
+              <a:t> </a:t>
+            </a:r>
+            <a:r>
+              <a:rPr lang="de-DE" dirty="0" err="1"/>
+              <a:t>are</a:t>
+            </a:r>
+            <a:r>
+              <a:rPr lang="de-DE" dirty="0"/>
+              <a:t> </a:t>
+            </a:r>
+            <a:r>
+              <a:rPr lang="de-DE" dirty="0" err="1"/>
+              <a:t>more</a:t>
+            </a:r>
+            <a:r>
+              <a:rPr lang="de-DE" dirty="0"/>
+              <a:t> relevant </a:t>
+            </a:r>
+            <a:r>
+              <a:rPr lang="de-DE" dirty="0" err="1"/>
+              <a:t>to</a:t>
+            </a:r>
+            <a:r>
+              <a:rPr lang="de-DE" dirty="0"/>
+              <a:t> </a:t>
+            </a:r>
+            <a:r>
+              <a:rPr lang="de-DE" dirty="0" err="1"/>
+              <a:t>expression</a:t>
+            </a:r>
+            <a:r>
+              <a:rPr lang="de-DE" dirty="0"/>
+              <a:t> </a:t>
+            </a:r>
+            <a:r>
+              <a:rPr lang="de-DE" dirty="0" err="1"/>
+              <a:t>than</a:t>
+            </a:r>
+            <a:r>
+              <a:rPr lang="de-DE" dirty="0"/>
+              <a:t> </a:t>
+            </a:r>
+            <a:r>
+              <a:rPr lang="de-DE" dirty="0" err="1"/>
+              <a:t>drug</a:t>
+            </a:r>
+            <a:r>
+              <a:rPr lang="de-DE" dirty="0"/>
+              <a:t> </a:t>
+            </a:r>
+            <a:r>
+              <a:rPr lang="de-DE" dirty="0" err="1"/>
+              <a:t>treatment</a:t>
+            </a:r>
+            <a:r>
+              <a:rPr lang="de-DE" dirty="0"/>
+              <a:t> in PCA -&gt; </a:t>
+            </a:r>
+            <a:r>
+              <a:rPr lang="de-DE" dirty="0" err="1"/>
+              <a:t>Treated</a:t>
+            </a:r>
+            <a:r>
+              <a:rPr lang="de-DE" dirty="0"/>
+              <a:t> (</a:t>
+            </a:r>
+            <a:r>
+              <a:rPr lang="de-DE" dirty="0" err="1"/>
+              <a:t>logarithmic</a:t>
+            </a:r>
+            <a:r>
+              <a:rPr lang="de-DE" dirty="0"/>
+              <a:t> </a:t>
+            </a:r>
+            <a:r>
+              <a:rPr lang="de-DE" dirty="0" err="1"/>
+              <a:t>data</a:t>
+            </a:r>
+            <a:r>
+              <a:rPr lang="de-DE" dirty="0"/>
+              <a:t>) - </a:t>
+            </a:r>
+            <a:r>
+              <a:rPr lang="de-DE" dirty="0" err="1"/>
+              <a:t>untreated</a:t>
+            </a:r>
+            <a:r>
+              <a:rPr lang="de-DE" dirty="0"/>
+              <a:t> (</a:t>
+            </a:r>
+            <a:r>
+              <a:rPr lang="de-DE" dirty="0" err="1"/>
+              <a:t>logarithmic</a:t>
+            </a:r>
+            <a:r>
+              <a:rPr lang="de-DE" dirty="0"/>
+              <a:t> </a:t>
+            </a:r>
+            <a:r>
+              <a:rPr lang="de-DE" dirty="0" err="1"/>
+              <a:t>data</a:t>
+            </a:r>
+            <a:r>
+              <a:rPr lang="de-DE" dirty="0"/>
+              <a:t>)</a:t>
+            </a:r>
+          </a:p>
+          <a:p>
+            <a:endParaRPr lang="de-DE" dirty="0"/>
+          </a:p>
+        </p:txBody>
+      </p:sp>
+      <p:sp>
+        <p:nvSpPr>
+          <p:cNvPr id="4" name="Foliennummernplatzhalter 3"/>
+          <p:cNvSpPr>
+            <a:spLocks noGrp="1"/>
+          </p:cNvSpPr>
+          <p:nvPr>
+            <p:ph type="sldNum" sz="quarter" idx="5"/>
+          </p:nvPr>
+        </p:nvSpPr>
+        <p:spPr/>
+        <p:txBody>
+          <a:bodyPr/>
+          <a:lstStyle/>
+          <a:p>
+            <a:fld id="{D7734C46-2FDE-4E34-889F-F66767A6595D}" type="slidenum">
+              <a:rPr lang="de-DE" smtClean="0"/>
+              <a:t>3</a:t>
+            </a:fld>
+            <a:endParaRPr lang="de-DE"/>
+          </a:p>
+        </p:txBody>
+      </p:sp>
+    </p:spTree>
+    <p:extLst>
+      <p:ext uri="{BB962C8B-B14F-4D97-AF65-F5344CB8AC3E}">
+        <p14:creationId xmlns:p14="http://schemas.microsoft.com/office/powerpoint/2010/main" val="2910403886"/>
+      </p:ext>
+    </p:extLst>
+  </p:cSld>
+  <p:clrMapOvr>
+    <a:masterClrMapping/>
+  </p:clrMapOvr>
+</p:notes>
 </file>
 
 <file path=ppt/slideLayouts/slideLayout1.xml><?xml version="1.0" encoding="utf-8"?>
@@ -3672,7 +4275,63 @@
           <a:p>
             <a:r>
               <a:rPr lang="de-DE" dirty="0"/>
-              <a:t>1. Milestone - PCA</a:t>
+              <a:t>1. Milestone – Find </a:t>
+            </a:r>
+            <a:r>
+              <a:rPr lang="de-DE" dirty="0" err="1"/>
+              <a:t>the</a:t>
+            </a:r>
+            <a:r>
+              <a:rPr lang="de-DE" dirty="0"/>
+              <a:t> </a:t>
+            </a:r>
+            <a:r>
+              <a:rPr lang="de-DE" dirty="0" err="1"/>
+              <a:t>mostly</a:t>
+            </a:r>
+            <a:r>
+              <a:rPr lang="de-DE" dirty="0"/>
+              <a:t> </a:t>
+            </a:r>
+            <a:r>
+              <a:rPr lang="de-DE" dirty="0" err="1"/>
+              <a:t>regulated</a:t>
+            </a:r>
+            <a:r>
+              <a:rPr lang="de-DE" dirty="0"/>
+              <a:t> genes and </a:t>
+            </a:r>
+            <a:r>
+              <a:rPr lang="de-DE" dirty="0" err="1"/>
+              <a:t>cell</a:t>
+            </a:r>
+            <a:r>
+              <a:rPr lang="de-DE" dirty="0"/>
+              <a:t> </a:t>
+            </a:r>
+            <a:r>
+              <a:rPr lang="de-DE" dirty="0" err="1"/>
+              <a:t>lines</a:t>
+            </a:r>
+            <a:r>
+              <a:rPr lang="de-DE" dirty="0"/>
+              <a:t> </a:t>
+            </a:r>
+            <a:r>
+              <a:rPr lang="de-DE" dirty="0" err="1"/>
+              <a:t>by</a:t>
+            </a:r>
+            <a:r>
+              <a:rPr lang="de-DE" dirty="0"/>
+              <a:t> </a:t>
+            </a:r>
+            <a:r>
+              <a:rPr lang="de-DE" dirty="0" err="1"/>
+              <a:t>erlotinib</a:t>
+            </a:r>
+            <a:r>
+              <a:rPr lang="de-DE" dirty="0"/>
+              <a:t> </a:t>
             </a:r>
           </a:p>
         </p:txBody>
@@ -3693,11 +4352,174 @@
             <p:ph idx="1"/>
           </p:nvPr>
         </p:nvSpPr>
-        <p:spPr/>
-        <p:txBody>
-          <a:bodyPr/>
-          <a:lstStyle/>
-          <a:p>
+        <p:spPr>
+          <a:xfrm>
+            <a:off x="838200" y="1825624"/>
+            <a:ext cx="10515600" cy="4584247"/>
+          </a:xfrm>
+        </p:spPr>
+        <p:txBody>
+          <a:bodyPr>
+            <a:normAutofit lnSpcReduction="10000"/>
+          </a:bodyPr>
+          <a:lstStyle/>
+          <a:p>
+            <a:r>
+              <a:rPr lang="de-DE" dirty="0"/>
+              <a:t>Goal:</a:t>
+            </a:r>
+          </a:p>
+          <a:p>
+            <a:pPr lvl="1"/>
+            <a:r>
+              <a:rPr lang="de-DE" dirty="0" err="1"/>
+              <a:t>Which</a:t>
+            </a:r>
+            <a:r>
+              <a:rPr lang="de-DE" dirty="0"/>
+              <a:t> 15 </a:t>
+            </a:r>
+            <a:r>
+              <a:rPr lang="de-DE" dirty="0" err="1"/>
+              <a:t>cell</a:t>
+            </a:r>
+            <a:r>
+              <a:rPr lang="de-DE" dirty="0"/>
+              <a:t> </a:t>
+            </a:r>
+            <a:r>
+              <a:rPr lang="de-DE" dirty="0" err="1"/>
+              <a:t>lines</a:t>
+            </a:r>
+            <a:r>
+              <a:rPr lang="de-DE" dirty="0"/>
+              <a:t> </a:t>
+            </a:r>
+            <a:r>
+              <a:rPr lang="de-DE" dirty="0" err="1"/>
+              <a:t>are</a:t>
+            </a:r>
+            <a:r>
+              <a:rPr lang="de-DE" dirty="0"/>
+              <a:t> </a:t>
+            </a:r>
+            <a:r>
+              <a:rPr lang="de-DE" dirty="0" err="1"/>
+              <a:t>most</a:t>
+            </a:r>
+            <a:r>
+              <a:rPr lang="de-DE" dirty="0"/>
+              <a:t> </a:t>
+            </a:r>
+            <a:r>
+              <a:rPr lang="de-DE" dirty="0" err="1"/>
+              <a:t>effected</a:t>
+            </a:r>
+            <a:r>
+              <a:rPr lang="de-DE" dirty="0"/>
+              <a:t> </a:t>
+            </a:r>
+            <a:r>
+              <a:rPr lang="de-DE" dirty="0" err="1"/>
+              <a:t>under</a:t>
+            </a:r>
+            <a:r>
+              <a:rPr lang="de-DE" dirty="0"/>
+              <a:t> </a:t>
+            </a:r>
+            <a:r>
+              <a:rPr lang="de-DE" dirty="0" err="1"/>
+              <a:t>the</a:t>
+            </a:r>
+            <a:r>
+              <a:rPr lang="de-DE" dirty="0"/>
+              <a:t> </a:t>
+            </a:r>
+          </a:p>
+          <a:p>
+            <a:pPr marL="457200" lvl="1" indent="0">
+              <a:buNone/>
+            </a:pPr>
+            <a:r>
+              <a:rPr lang="de-DE" dirty="0"/>
+              <a:t>EGFR- </a:t>
+            </a:r>
+            <a:r>
+              <a:rPr lang="de-DE" dirty="0" err="1"/>
+              <a:t>kinase</a:t>
+            </a:r>
+            <a:r>
+              <a:rPr lang="de-DE" dirty="0"/>
+              <a:t> </a:t>
+            </a:r>
+            <a:r>
+              <a:rPr lang="de-DE" dirty="0" err="1"/>
+              <a:t>inhibitor</a:t>
+            </a:r>
+            <a:r>
+              <a:rPr lang="de-DE" dirty="0"/>
+              <a:t> </a:t>
+            </a:r>
+            <a:r>
+              <a:rPr lang="de-DE" dirty="0" err="1"/>
+              <a:t>Erlotinib</a:t>
+            </a:r>
+            <a:r>
+              <a:rPr lang="de-DE" dirty="0"/>
+              <a:t> ?</a:t>
+            </a:r>
+          </a:p>
+          <a:p>
+            <a:pPr lvl="1"/>
+            <a:r>
+              <a:rPr lang="de-DE" dirty="0" err="1"/>
+              <a:t>Which</a:t>
+            </a:r>
+            <a:r>
+              <a:rPr lang="de-DE" dirty="0"/>
+              <a:t> 15 genes </a:t>
+            </a:r>
+            <a:r>
+              <a:rPr lang="de-DE" dirty="0" err="1"/>
+              <a:t>are</a:t>
+            </a:r>
+            <a:r>
+              <a:rPr lang="de-DE" dirty="0"/>
+              <a:t> </a:t>
+            </a:r>
+            <a:r>
+              <a:rPr lang="de-DE" dirty="0" err="1"/>
+              <a:t>influenced</a:t>
+            </a:r>
+            <a:r>
+              <a:rPr lang="de-DE" dirty="0"/>
+              <a:t> </a:t>
+            </a:r>
+            <a:r>
+              <a:rPr lang="de-DE" dirty="0" err="1"/>
+              <a:t>the</a:t>
+            </a:r>
+            <a:r>
+              <a:rPr lang="de-DE" dirty="0"/>
+              <a:t> </a:t>
+            </a:r>
+            <a:r>
+              <a:rPr lang="de-DE" dirty="0" err="1"/>
+              <a:t>most</a:t>
+            </a:r>
+            <a:r>
+              <a:rPr lang="de-DE" dirty="0"/>
+              <a:t>?</a:t>
+            </a:r>
+          </a:p>
+          <a:p>
+            <a:r>
+              <a:rPr lang="en-US" dirty="0"/>
+              <a:t>Method:</a:t>
+            </a:r>
+          </a:p>
+          <a:p>
+            <a:pPr lvl="1"/>
             <a:r>
               <a:rPr lang="en-US" dirty="0"/>
               <a:t>Normalization</a:t>
@@ -3740,7 +4562,7 @@
             <a:pPr lvl="1"/>
             <a:r>
               <a:rPr lang="de-DE" dirty="0" err="1"/>
-              <a:t>Cause</a:t>
+              <a:t>Compare</a:t>
             </a:r>
             <a:r>
               <a:rPr lang="de-DE" dirty="0"/>
@@ -3748,7 +4570,7 @@
             </a:r>
             <a:r>
               <a:rPr lang="de-DE" dirty="0" err="1"/>
-              <a:t>differences</a:t>
+              <a:t>variance</a:t>
             </a:r>
             <a:r>
               <a:rPr lang="de-DE" dirty="0"/>
@@ -3756,7 +4578,7 @@
             </a:r>
             <a:r>
               <a:rPr lang="de-DE" dirty="0" err="1"/>
-              <a:t>between</a:t>
+              <a:t>of</a:t>
             </a:r>
             <a:r>
               <a:rPr lang="de-DE" dirty="0"/>
@@ -3764,6 +4586,30 @@
             </a:r>
             <a:r>
               <a:rPr lang="de-DE" dirty="0" err="1"/>
+              <a:t>changed</a:t>
+            </a:r>
+            <a:r>
+              <a:rPr lang="de-DE" dirty="0"/>
+              <a:t> </a:t>
+            </a:r>
+            <a:r>
+              <a:rPr lang="de-DE" dirty="0" err="1"/>
+              <a:t>gene</a:t>
+            </a:r>
+            <a:r>
+              <a:rPr lang="de-DE" dirty="0"/>
+              <a:t> </a:t>
+            </a:r>
+            <a:r>
+              <a:rPr lang="de-DE" dirty="0" err="1"/>
+              <a:t>expression</a:t>
+            </a:r>
+            <a:r>
+              <a:rPr lang="de-DE" dirty="0"/>
+              <a:t> in different </a:t>
+            </a:r>
+            <a:r>
+              <a:rPr lang="de-DE" dirty="0" err="1"/>
               <a:t>cell</a:t>
             </a:r>
             <a:r>
@@ -3776,10 +4622,53 @@
             </a:r>
             <a:r>
               <a:rPr lang="de-DE" dirty="0"/>
+              <a:t> -&gt; </a:t>
+            </a:r>
+            <a:r>
+              <a:rPr lang="de-DE" dirty="0" err="1"/>
+              <a:t>choose</a:t>
+            </a:r>
+            <a:r>
+              <a:rPr lang="de-DE" dirty="0"/>
+              <a:t> 15 </a:t>
+            </a:r>
+          </a:p>
+          <a:p>
+            <a:pPr lvl="1"/>
+            <a:r>
+              <a:rPr lang="de-DE" dirty="0" err="1"/>
+              <a:t>Principal</a:t>
+            </a:r>
+            <a:r>
+              <a:rPr lang="de-DE" dirty="0"/>
               <a:t> </a:t>
             </a:r>
             <a:r>
               <a:rPr lang="de-DE" dirty="0" err="1"/>
+              <a:t>component</a:t>
+            </a:r>
+            <a:r>
+              <a:rPr lang="de-DE" dirty="0"/>
+              <a:t> </a:t>
+            </a:r>
+            <a:r>
+              <a:rPr lang="de-DE" dirty="0" err="1"/>
+              <a:t>analysis</a:t>
+            </a:r>
+            <a:r>
+              <a:rPr lang="de-DE" dirty="0"/>
+              <a:t>: </a:t>
+            </a:r>
+            <a:r>
+              <a:rPr lang="de-DE" dirty="0" err="1"/>
+              <a:t>which</a:t>
+            </a:r>
+            <a:r>
+              <a:rPr lang="de-DE" dirty="0"/>
+              <a:t> genes </a:t>
+            </a:r>
+            <a:r>
+              <a:rPr lang="de-DE" dirty="0" err="1"/>
               <a:t>are</a:t>
             </a:r>
             <a:r>
@@ -3788,23 +4677,20 @@
             </a:r>
             <a:r>
               <a:rPr lang="de-DE" dirty="0" err="1"/>
-              <a:t>more</a:t>
-            </a:r>
-            <a:r>
-              <a:rPr lang="de-DE" dirty="0"/>
-              <a:t> relevant </a:t>
-            </a:r>
-            <a:r>
-              <a:rPr lang="de-DE" dirty="0" err="1"/>
-              <a:t>to</a:t>
+              <a:t>most</a:t>
             </a:r>
             <a:r>
               <a:rPr lang="de-DE" dirty="0"/>
               <a:t> </a:t>
             </a:r>
-            <a:r>
-              <a:rPr lang="de-DE" dirty="0" err="1"/>
-              <a:t>expression</a:t>
+          </a:p>
+          <a:p>
+            <a:pPr marL="457200" lvl="1" indent="0">
+              <a:buNone/>
+            </a:pPr>
+            <a:r>
+              <a:rPr lang="de-DE" dirty="0" err="1"/>
+              <a:t>responsible</a:t>
             </a:r>
             <a:r>
               <a:rPr lang="de-DE" dirty="0"/>
@@ -3812,7 +4698,22 @@
             </a:r>
             <a:r>
               <a:rPr lang="de-DE" dirty="0" err="1"/>
-              <a:t>than</a:t>
+              <a:t>for</a:t>
+            </a:r>
+            <a:r>
+              <a:rPr lang="de-DE" dirty="0"/>
+              <a:t> PC1 and PC2</a:t>
+            </a:r>
+          </a:p>
+          <a:p>
+            <a:pPr lvl="1"/>
+            <a:r>
+              <a:rPr lang="de-DE" dirty="0"/>
+              <a:t>Plot single-</a:t>
+            </a:r>
+            <a:r>
+              <a:rPr lang="de-DE" dirty="0" err="1"/>
+              <a:t>gene</a:t>
             </a:r>
             <a:r>
               <a:rPr lang="de-DE" dirty="0"/>
@@ -3820,7 +4721,7 @@
             </a:r>
             <a:r>
               <a:rPr lang="de-DE" dirty="0" err="1"/>
-              <a:t>drug</a:t>
+              <a:t>response</a:t>
             </a:r>
             <a:r>
               <a:rPr lang="de-DE" dirty="0"/>
@@ -3828,23 +4729,7 @@
             </a:r>
             <a:r>
               <a:rPr lang="de-DE" dirty="0" err="1"/>
-              <a:t>treatment</a:t>
-            </a:r>
-            <a:endParaRPr lang="de-DE" dirty="0"/>
-          </a:p>
-          <a:p>
-            <a:pPr lvl="1"/>
-            <a:r>
-              <a:rPr lang="de-DE" dirty="0" err="1"/>
-              <a:t>Treated</a:t>
-            </a:r>
-            <a:r>
-              <a:rPr lang="de-DE" dirty="0"/>
-              <a:t> (</a:t>
-            </a:r>
-            <a:r>
-              <a:rPr lang="de-DE" dirty="0" err="1"/>
-              <a:t>logarithmic</a:t>
+              <a:t>of</a:t>
             </a:r>
             <a:r>
               <a:rPr lang="de-DE" dirty="0"/>
@@ -3852,23 +4737,7 @@
             </a:r>
             <a:r>
               <a:rPr lang="de-DE" dirty="0" err="1"/>
-              <a:t>data</a:t>
-            </a:r>
-            <a:r>
-              <a:rPr lang="de-DE" dirty="0"/>
-              <a:t>) – </a:t>
-            </a:r>
-            <a:r>
-              <a:rPr lang="de-DE" dirty="0" err="1"/>
-              <a:t>untreated</a:t>
-            </a:r>
-            <a:r>
-              <a:rPr lang="de-DE" dirty="0"/>
-              <a:t> (</a:t>
-            </a:r>
-            <a:r>
-              <a:rPr lang="de-DE" dirty="0" err="1"/>
-              <a:t>logarithmic</a:t>
+              <a:t>the</a:t>
             </a:r>
             <a:r>
               <a:rPr lang="de-DE" dirty="0"/>
@@ -3876,24 +4745,11 @@
             </a:r>
             <a:r>
               <a:rPr lang="de-DE" dirty="0" err="1"/>
-              <a:t>data</a:t>
-            </a:r>
-            <a:r>
-              <a:rPr lang="de-DE" dirty="0"/>
-              <a:t>)</a:t>
-            </a:r>
-          </a:p>
-          <a:p>
-            <a:r>
-              <a:rPr lang="de-DE" dirty="0"/>
-              <a:t>Goal:</a:t>
-            </a:r>
-          </a:p>
-          <a:p>
-            <a:pPr lvl="1"/>
-            <a:r>
-              <a:rPr lang="de-DE" dirty="0"/>
-              <a:t>15 </a:t>
+              <a:t>three</a:t>
+            </a:r>
+            <a:r>
+              <a:rPr lang="de-DE" dirty="0"/>
+              <a:t> </a:t>
             </a:r>
             <a:r>
               <a:rPr lang="de-DE" dirty="0" err="1"/>
@@ -3905,7 +4761,28 @@
             </a:r>
             <a:r>
               <a:rPr lang="de-DE" dirty="0" err="1"/>
-              <a:t>effected</a:t>
+              <a:t>regulated</a:t>
+            </a:r>
+            <a:r>
+              <a:rPr lang="de-DE" dirty="0"/>
+              <a:t> genes </a:t>
+            </a:r>
+          </a:p>
+          <a:p>
+            <a:pPr marL="457200" lvl="1" indent="0">
+              <a:buNone/>
+            </a:pPr>
+            <a:r>
+              <a:rPr lang="de-DE" dirty="0" err="1"/>
+              <a:t>for</a:t>
+            </a:r>
+            <a:r>
+              <a:rPr lang="de-DE" dirty="0"/>
+              <a:t> 15 </a:t>
+            </a:r>
+            <a:r>
+              <a:rPr lang="de-DE" dirty="0" err="1"/>
+              <a:t>cell</a:t>
             </a:r>
             <a:r>
               <a:rPr lang="de-DE" dirty="0"/>
@@ -3913,7 +4790,15 @@
             </a:r>
             <a:r>
               <a:rPr lang="de-DE" dirty="0" err="1"/>
-              <a:t>cell</a:t>
+              <a:t>lines</a:t>
+            </a:r>
+            <a:r>
+              <a:rPr lang="de-DE" dirty="0"/>
+              <a:t> and </a:t>
+            </a:r>
+            <a:r>
+              <a:rPr lang="de-DE" dirty="0" err="1"/>
+              <a:t>colour</a:t>
             </a:r>
             <a:r>
               <a:rPr lang="de-DE" dirty="0"/>
@@ -3921,7 +4806,7 @@
             </a:r>
             <a:r>
               <a:rPr lang="de-DE" dirty="0" err="1"/>
-              <a:t>lines</a:t>
+              <a:t>the</a:t>
             </a:r>
             <a:r>
               <a:rPr lang="de-DE" dirty="0"/>
@@ -3929,90 +4814,73 @@
             </a:r>
             <a:r>
               <a:rPr lang="de-DE" dirty="0" err="1"/>
-              <a:t>under</a:t>
-            </a:r>
-            <a:r>
-              <a:rPr lang="de-DE" dirty="0"/>
-              <a:t> </a:t>
-            </a:r>
-            <a:r>
-              <a:rPr lang="de-DE" dirty="0" err="1"/>
-              <a:t>the</a:t>
-            </a:r>
-            <a:r>
-              <a:rPr lang="de-DE" dirty="0"/>
-              <a:t> </a:t>
-            </a:r>
-            <a:r>
-              <a:rPr lang="de-DE" dirty="0" err="1"/>
-              <a:t>kinase</a:t>
-            </a:r>
-            <a:r>
-              <a:rPr lang="de-DE" dirty="0"/>
-              <a:t> </a:t>
-            </a:r>
-            <a:r>
-              <a:rPr lang="de-DE" dirty="0" err="1"/>
-              <a:t>inhibitor</a:t>
-            </a:r>
-            <a:r>
-              <a:rPr lang="de-DE" dirty="0"/>
-              <a:t> (EGFR) </a:t>
-            </a:r>
-            <a:r>
-              <a:rPr lang="de-DE" dirty="0" err="1"/>
-              <a:t>Erlotinib</a:t>
-            </a:r>
-            <a:r>
-              <a:rPr lang="de-DE" dirty="0"/>
-              <a:t> </a:t>
-            </a:r>
-          </a:p>
-          <a:p>
-            <a:pPr lvl="1"/>
-            <a:r>
-              <a:rPr lang="de-DE" dirty="0" err="1"/>
-              <a:t>Which</a:t>
-            </a:r>
-            <a:r>
-              <a:rPr lang="de-DE" dirty="0"/>
-              <a:t> 10 genes </a:t>
-            </a:r>
-            <a:r>
-              <a:rPr lang="de-DE" dirty="0" err="1"/>
-              <a:t>are</a:t>
-            </a:r>
-            <a:r>
-              <a:rPr lang="de-DE" dirty="0"/>
-              <a:t> </a:t>
-            </a:r>
-            <a:r>
-              <a:rPr lang="de-DE" dirty="0" err="1"/>
-              <a:t>influenced</a:t>
-            </a:r>
-            <a:r>
-              <a:rPr lang="de-DE" dirty="0"/>
-              <a:t> </a:t>
-            </a:r>
-            <a:r>
-              <a:rPr lang="de-DE" dirty="0" err="1"/>
-              <a:t>the</a:t>
-            </a:r>
-            <a:r>
-              <a:rPr lang="de-DE" dirty="0"/>
-              <a:t> </a:t>
-            </a:r>
-            <a:r>
-              <a:rPr lang="de-DE" dirty="0" err="1"/>
-              <a:t>most</a:t>
-            </a:r>
-            <a:r>
-              <a:rPr lang="de-DE" dirty="0"/>
-              <a:t>?</a:t>
-            </a:r>
-          </a:p>
-        </p:txBody>
-      </p:sp>
+              <a:t>cancer</a:t>
+            </a:r>
+            <a:r>
+              <a:rPr lang="de-DE" dirty="0"/>
+              <a:t> type</a:t>
+            </a:r>
+          </a:p>
+        </p:txBody>
+      </p:sp>
+      <p:pic>
+        <p:nvPicPr>
+          <p:cNvPr id="4" name="Grafik 3">
+            <a:extLst>
+              <a:ext uri="{FF2B5EF4-FFF2-40B4-BE49-F238E27FC236}">
+                <a16:creationId xmlns:a16="http://schemas.microsoft.com/office/drawing/2014/main" id="{704EB5AF-404B-4152-BA50-DDF9A0A0A01A}"/>
+              </a:ext>
+            </a:extLst>
+          </p:cNvPr>
+          <p:cNvPicPr>
+            <a:picLocks noChangeAspect="1"/>
+          </p:cNvPicPr>
+          <p:nvPr/>
+        </p:nvPicPr>
+        <p:blipFill rotWithShape="1">
+          <a:blip r:embed="rId3"/>
+          <a:srcRect l="51875" t="40252" r="18125" b="15714"/>
+          <a:stretch/>
+        </p:blipFill>
+        <p:spPr>
+          <a:xfrm>
+            <a:off x="9406752" y="4526642"/>
+            <a:ext cx="2415133" cy="1883230"/>
+          </a:xfrm>
+          <a:prstGeom prst="rect">
+            <a:avLst/>
+          </a:prstGeom>
+        </p:spPr>
+      </p:pic>
+      <p:pic>
+        <p:nvPicPr>
+          <p:cNvPr id="5" name="Grafik 4">
+            <a:extLst>
+              <a:ext uri="{FF2B5EF4-FFF2-40B4-BE49-F238E27FC236}">
+                <a16:creationId xmlns:a16="http://schemas.microsoft.com/office/drawing/2014/main" id="{9D83C375-777C-4623-96A3-8AFE8995B46D}"/>
+              </a:ext>
+            </a:extLst>
+          </p:cNvPr>
+          <p:cNvPicPr>
+            <a:picLocks noChangeAspect="1"/>
+          </p:cNvPicPr>
+          <p:nvPr/>
+        </p:nvPicPr>
+        <p:blipFill rotWithShape="1">
+          <a:blip r:embed="rId4"/>
+          <a:srcRect l="18303" t="32292" r="63125" b="33053"/>
+          <a:stretch/>
+        </p:blipFill>
+        <p:spPr>
+          <a:xfrm>
+            <a:off x="9082964" y="1545771"/>
+            <a:ext cx="2270836" cy="2251162"/>
+          </a:xfrm>
+          <a:prstGeom prst="rect">
+            <a:avLst/>
+          </a:prstGeom>
+        </p:spPr>
+      </p:pic>
     </p:spTree>
     <p:extLst>
       <p:ext uri="{BB962C8B-B14F-4D97-AF65-F5344CB8AC3E}">
@@ -4066,7 +4934,7 @@
           <a:p>
             <a:r>
               <a:rPr lang="en-GB" dirty="0"/>
-              <a:t>2. Milestone – gen expression changes vs. drug sensitivity</a:t>
+              <a:t>2. Milestone – correlation of gen expression changes vs. drug sensitivity</a:t>
             </a:r>
           </a:p>
         </p:txBody>
@@ -4092,6 +4960,13 @@
           <a:bodyPr/>
           <a:lstStyle/>
           <a:p>
+            <a:r>
+              <a:rPr lang="en-GB" dirty="0"/>
+              <a:t>Goal: </a:t>
+            </a:r>
+          </a:p>
+          <a:p>
+            <a:pPr lvl="1"/>
             <a:r>
               <a:rPr lang="en-GB" dirty="0"/>
               <a:t>Compare the most effected cell lines with the drug </a:t>
@@ -4106,17 +4981,38 @@
             </a:r>
           </a:p>
           <a:p>
+            <a:r>
+              <a:rPr lang="en-GB" dirty="0"/>
+              <a:t>Method:</a:t>
+            </a:r>
+          </a:p>
+          <a:p>
             <a:pPr lvl="1"/>
             <a:r>
               <a:rPr lang="en-GB" dirty="0"/>
-              <a:t>Create a changing score for each cell line, which makes the changes within a cell line comparable</a:t>
+              <a:t>Calculate the median of gene expression changes of the most influenced cell lines </a:t>
             </a:r>
           </a:p>
           <a:p>
             <a:pPr lvl="1"/>
             <a:r>
               <a:rPr lang="en-GB" dirty="0"/>
-              <a:t>Search if there is a correlation between the changing score and the drug  sensitivity and t- tests </a:t>
+              <a:t>Pearson Correlation with drug sensitivity</a:t>
+            </a:r>
+          </a:p>
+          <a:p>
+            <a:pPr lvl="1"/>
+            <a:r>
+              <a:rPr lang="en-GB" dirty="0"/>
+              <a:t>T-test (Benjamin- Hochberg- </a:t>
+            </a:r>
+            <a:r>
+              <a:rPr lang="en-GB" dirty="0" err="1"/>
+              <a:t>Korrektur</a:t>
+            </a:r>
+            <a:r>
+              <a:rPr lang="en-GB" dirty="0"/>
+              <a:t>)</a:t>
             </a:r>
           </a:p>
         </p:txBody>
@@ -4174,7 +5070,7 @@
           <a:p>
             <a:r>
               <a:rPr lang="en-GB" dirty="0"/>
-              <a:t>3. Milestone – how the drug influence cellular pathway’s</a:t>
+              <a:t>3. Milestone – which cellular pathway’s are influenced by erlotinib</a:t>
             </a:r>
           </a:p>
         </p:txBody>
@@ -4197,9 +5093,18 @@
         </p:nvSpPr>
         <p:spPr/>
         <p:txBody>
-          <a:bodyPr/>
-          <a:lstStyle/>
-          <a:p>
+          <a:bodyPr>
+            <a:normAutofit lnSpcReduction="10000"/>
+          </a:bodyPr>
+          <a:lstStyle/>
+          <a:p>
+            <a:r>
+              <a:rPr lang="en-GB" dirty="0"/>
+              <a:t>Goal: </a:t>
+            </a:r>
+          </a:p>
+          <a:p>
+            <a:pPr lvl="1"/>
             <a:r>
               <a:rPr lang="en-GB" dirty="0"/>
               <a:t>Which genes are overexpressed, which expression decrease under erlotinib treatment</a:t>
@@ -4213,6 +5118,52 @@
             </a:r>
           </a:p>
           <a:p>
+            <a:r>
+              <a:rPr lang="en-GB" dirty="0"/>
+              <a:t>Method:</a:t>
+            </a:r>
+          </a:p>
+          <a:p>
+            <a:pPr lvl="1"/>
+            <a:r>
+              <a:rPr lang="en-GB" dirty="0"/>
+              <a:t>Use </a:t>
+            </a:r>
+            <a:r>
+              <a:rPr lang="en-GB" dirty="0" err="1"/>
+              <a:t>PROGENy</a:t>
+            </a:r>
+            <a:r>
+              <a:rPr lang="en-GB" dirty="0"/>
+              <a:t> to determine, which cellular pathways </a:t>
+            </a:r>
+          </a:p>
+          <a:p>
+            <a:pPr marL="457200" lvl="1" indent="0">
+              <a:buNone/>
+            </a:pPr>
+            <a:r>
+              <a:rPr lang="en-GB" dirty="0"/>
+              <a:t>are affected</a:t>
+            </a:r>
+          </a:p>
+          <a:p>
+            <a:pPr lvl="1"/>
+            <a:r>
+              <a:rPr lang="en-GB" dirty="0"/>
+              <a:t>Create a heatmap: cell-lines vs. pathways </a:t>
+            </a:r>
+          </a:p>
+          <a:p>
+            <a:pPr marL="457200" lvl="1" indent="0">
+              <a:buNone/>
+            </a:pPr>
+            <a:r>
+              <a:rPr lang="en-GB" dirty="0"/>
+              <a:t>(median of gene expression of relevant genes) </a:t>
+            </a:r>
+          </a:p>
+          <a:p>
             <a:pPr lvl="1"/>
             <a:r>
               <a:rPr lang="en-GB" dirty="0"/>
@@ -4232,6 +5183,88 @@
               <a:rPr lang="en-GB" dirty="0"/>
               <a:t>Are there similarities between erlotinib and other </a:t>
             </a:r>
+          </a:p>
+        </p:txBody>
+      </p:sp>
+      <p:pic>
+        <p:nvPicPr>
+          <p:cNvPr id="6" name="Grafik 5">
+            <a:extLst>
+              <a:ext uri="{FF2B5EF4-FFF2-40B4-BE49-F238E27FC236}">
+                <a16:creationId xmlns:a16="http://schemas.microsoft.com/office/drawing/2014/main" id="{A89DBE0E-8859-4D33-9FD4-11558F859B54}"/>
+              </a:ext>
+            </a:extLst>
+          </p:cNvPr>
+          <p:cNvPicPr>
+            <a:picLocks noChangeAspect="1"/>
+          </p:cNvPicPr>
+          <p:nvPr/>
+        </p:nvPicPr>
+        <p:blipFill rotWithShape="1">
+          <a:blip r:embed="rId2"/>
+          <a:srcRect l="50000" t="34033" r="24464" b="13194"/>
+          <a:stretch/>
+        </p:blipFill>
+        <p:spPr>
+          <a:xfrm>
+            <a:off x="8882743" y="2671989"/>
+            <a:ext cx="3113314" cy="3418115"/>
+          </a:xfrm>
+          <a:prstGeom prst="rect">
+            <a:avLst/>
+          </a:prstGeom>
+        </p:spPr>
+      </p:pic>
+      <p:sp>
+        <p:nvSpPr>
+          <p:cNvPr id="7" name="Textfeld 6">
+            <a:extLst>
+              <a:ext uri="{FF2B5EF4-FFF2-40B4-BE49-F238E27FC236}">
+                <a16:creationId xmlns:a16="http://schemas.microsoft.com/office/drawing/2014/main" id="{8E4FF077-B4D2-44D8-9230-4A2CF9C0F907}"/>
+              </a:ext>
+            </a:extLst>
+          </p:cNvPr>
+          <p:cNvSpPr txBox="1"/>
+          <p:nvPr/>
+        </p:nvSpPr>
+        <p:spPr>
+          <a:xfrm>
+            <a:off x="8839200" y="5214256"/>
+            <a:ext cx="1600200" cy="553998"/>
+          </a:xfrm>
+          <a:prstGeom prst="rect">
+            <a:avLst/>
+          </a:prstGeom>
+          <a:solidFill>
+            <a:schemeClr val="bg1"/>
+          </a:solidFill>
+        </p:spPr>
+        <p:txBody>
+          <a:bodyPr wrap="square" rtlCol="0">
+            <a:spAutoFit/>
+          </a:bodyPr>
+          <a:lstStyle/>
+          <a:p>
+            <a:r>
+              <a:rPr lang="de-DE" dirty="0"/>
+              <a:t>15 </a:t>
+            </a:r>
+            <a:r>
+              <a:rPr lang="de-DE" dirty="0" err="1"/>
+              <a:t>Cell</a:t>
+            </a:r>
+            <a:r>
+              <a:rPr lang="de-DE" dirty="0"/>
+              <a:t> </a:t>
+            </a:r>
+            <a:r>
+              <a:rPr lang="de-DE" dirty="0" err="1"/>
+              <a:t>lines</a:t>
+            </a:r>
+            <a:endParaRPr lang="de-DE" dirty="0"/>
+          </a:p>
+          <a:p>
+            <a:endParaRPr lang="de-DE" sz="1100" dirty="0"/>
           </a:p>
         </p:txBody>
       </p:sp>
@@ -4288,15 +5321,7 @@
           <a:p>
             <a:r>
               <a:rPr lang="en-US" dirty="0"/>
-              <a:t>4. Milestone – </a:t>
-            </a:r>
-            <a:r>
-              <a:rPr lang="en-US" dirty="0" err="1"/>
-              <a:t>Copynummer</a:t>
-            </a:r>
-            <a:r>
-              <a:rPr lang="en-US" dirty="0"/>
-              <a:t> data</a:t>
+              <a:t>4. Milestone – compare gene expression with different time points</a:t>
             </a:r>
           </a:p>
         </p:txBody>
@@ -4317,7 +5342,12 @@
             <p:ph idx="1"/>
           </p:nvPr>
         </p:nvSpPr>
-        <p:spPr/>
+        <p:spPr>
+          <a:xfrm>
+            <a:off x="838200" y="1803853"/>
+            <a:ext cx="10515600" cy="4351338"/>
+          </a:xfrm>
+        </p:spPr>
         <p:txBody>
           <a:bodyPr>
             <a:normAutofit/>
@@ -4325,12 +5355,100 @@
           <a:lstStyle/>
           <a:p>
             <a:r>
-              <a:rPr lang="en-US" sz="8800" dirty="0"/>
-              <a:t>?????</a:t>
-            </a:r>
-          </a:p>
-        </p:txBody>
-      </p:sp>
+              <a:rPr lang="en-GB" dirty="0"/>
+              <a:t>Goal: </a:t>
+            </a:r>
+          </a:p>
+          <a:p>
+            <a:pPr lvl="1"/>
+            <a:r>
+              <a:rPr lang="en-GB" dirty="0"/>
+              <a:t>How does the gene expression change with increasing periods of treatment?</a:t>
+            </a:r>
+          </a:p>
+          <a:p>
+            <a:pPr lvl="1"/>
+            <a:r>
+              <a:rPr lang="en-GB" dirty="0"/>
+              <a:t>Is there any other drug, which shows the same pattern?</a:t>
+            </a:r>
+          </a:p>
+          <a:p>
+            <a:r>
+              <a:rPr lang="en-GB" dirty="0"/>
+              <a:t>Method:</a:t>
+            </a:r>
+          </a:p>
+          <a:p>
+            <a:pPr lvl="1"/>
+            <a:r>
+              <a:rPr lang="en-GB" dirty="0"/>
+              <a:t>Search in the NCI workbench for the data with </a:t>
+            </a:r>
+          </a:p>
+          <a:p>
+            <a:pPr marL="457200" lvl="1" indent="0">
+              <a:buNone/>
+            </a:pPr>
+            <a:r>
+              <a:rPr lang="en-GB" dirty="0"/>
+              <a:t>the time points of 2h and 6h</a:t>
+            </a:r>
+          </a:p>
+          <a:p>
+            <a:pPr lvl="1"/>
+            <a:r>
+              <a:rPr lang="en-US" dirty="0"/>
+              <a:t>Compare the median gene expression of different cell lines </a:t>
+            </a:r>
+          </a:p>
+          <a:p>
+            <a:pPr marL="457200" lvl="1" indent="0">
+              <a:buNone/>
+            </a:pPr>
+            <a:r>
+              <a:rPr lang="en-US" dirty="0"/>
+              <a:t>over different time intervals</a:t>
+            </a:r>
+          </a:p>
+          <a:p>
+            <a:pPr lvl="1"/>
+            <a:r>
+              <a:rPr lang="en-US" dirty="0"/>
+              <a:t>Compare this with other drugs, which might follow the pattern</a:t>
+            </a:r>
+          </a:p>
+        </p:txBody>
+      </p:sp>
+      <p:pic>
+        <p:nvPicPr>
+          <p:cNvPr id="4" name="Grafik 3">
+            <a:extLst>
+              <a:ext uri="{FF2B5EF4-FFF2-40B4-BE49-F238E27FC236}">
+                <a16:creationId xmlns:a16="http://schemas.microsoft.com/office/drawing/2014/main" id="{74BFB746-AA3F-462C-85B7-247170E6CF88}"/>
+              </a:ext>
+            </a:extLst>
+          </p:cNvPr>
+          <p:cNvPicPr>
+            <a:picLocks noChangeAspect="1"/>
+          </p:cNvPicPr>
+          <p:nvPr/>
+        </p:nvPicPr>
+        <p:blipFill rotWithShape="1">
+          <a:blip r:embed="rId2"/>
+          <a:srcRect l="24732" t="27143" r="53125" b="25462"/>
+          <a:stretch/>
+        </p:blipFill>
+        <p:spPr>
+          <a:xfrm>
+            <a:off x="9492343" y="2685596"/>
+            <a:ext cx="2699657" cy="3069772"/>
+          </a:xfrm>
+          <a:prstGeom prst="rect">
+            <a:avLst/>
+          </a:prstGeom>
+        </p:spPr>
+      </p:pic>
     </p:spTree>
     <p:extLst>
       <p:ext uri="{BB962C8B-B14F-4D97-AF65-F5344CB8AC3E}">
@@ -4411,8 +5529,22 @@
           <a:lstStyle/>
           <a:p>
             <a:r>
-              <a:rPr lang="en-US"/>
+              <a:rPr lang="en-US" dirty="0"/>
               <a:t>12 Weeks</a:t>
+            </a:r>
+          </a:p>
+          <a:p>
+            <a:pPr lvl="1"/>
+            <a:r>
+              <a:rPr lang="en-US" dirty="0"/>
+              <a:t>with 2 weeks for each mile stone</a:t>
+            </a:r>
+          </a:p>
+          <a:p>
+            <a:pPr lvl="1"/>
+            <a:r>
+              <a:rPr lang="en-US" dirty="0"/>
+              <a:t>4 weeks at the end to interpret the data and come up with future investigations, which could provide novel insight</a:t>
             </a:r>
           </a:p>
         </p:txBody>
@@ -4723,4 +5855,299 @@
     </a:ext>
   </a:extLst>
 </a:theme>
+</file>
+
+<file path=ppt/theme/theme2.xml><?xml version="1.0" encoding="utf-8"?>
+<a:theme xmlns:a="http://schemas.openxmlformats.org/drawingml/2006/main" name="Office">
+  <a:themeElements>
+    <a:clrScheme name="Office">
+      <a:dk1>
+        <a:sysClr val="windowText" lastClr="000000"/>
+      </a:dk1>
+      <a:lt1>
+        <a:sysClr val="window" lastClr="FFFFFF"/>
+      </a:lt1>
+      <a:dk2>
+        <a:srgbClr val="44546A"/>
+      </a:dk2>
+      <a:lt2>
+        <a:srgbClr val="E7E6E6"/>
+      </a:lt2>
+      <a:accent1>
+        <a:srgbClr val="4472C4"/>
+      </a:accent1>
+      <a:accent2>
+        <a:srgbClr val="ED7D31"/>
+      </a:accent2>
+      <a:accent3>
+        <a:srgbClr val="A5A5A5"/>
+      </a:accent3>
+      <a:accent4>
+        <a:srgbClr val="FFC000"/>
+      </a:accent4>
+      <a:accent5>
+        <a:srgbClr val="5B9BD5"/>
+      </a:accent5>
+      <a:accent6>
+        <a:srgbClr val="70AD47"/>
+      </a:accent6>
+      <a:hlink>
+        <a:srgbClr val="0563C1"/>
+      </a:hlink>
+      <a:folHlink>
+        <a:srgbClr val="954F72"/>
+      </a:folHlink>
+    </a:clrScheme>
+    <a:fontScheme name="Office">
+      <a:majorFont>
+        <a:latin typeface="Calibri Light" panose="020F0302020204030204"/>
+        <a:ea typeface=""/>
+        <a:cs typeface=""/>
+        <a:font script="Jpan" typeface="游ゴシック Light"/>
+        <a:font script="Hang" typeface="맑은 고딕"/>
+        <a:font script="Hans" typeface="等线 Light"/>
+        <a:font script="Hant" typeface="新細明體"/>
+        <a:font script="Arab" typeface="Times New Roman"/>
+        <a:font script="Hebr" typeface="Times New Roman"/>
+        <a:font script="Thai" typeface="Angsana New"/>
+        <a:font script="Ethi" typeface="Nyala"/>
+        <a:font script="Beng" typeface="Vrinda"/>
+        <a:font script="Gujr" typeface="Shruti"/>
+        <a:font script="Khmr" typeface="MoolBoran"/>
+        <a:font script="Knda" typeface="Tunga"/>
+        <a:font script="Guru" typeface="Raavi"/>
+        <a:font script="Cans" typeface="Euphemia"/>
+        <a:font script="Cher" typeface="Plantagenet Cherokee"/>
+        <a:font script="Yiii" typeface="Microsoft Yi Baiti"/>
+        <a:font script="Tibt" typeface="Microsoft Himalaya"/>
+        <a:font script="Thaa" typeface="MV Boli"/>
+        <a:font script="Deva" typeface="Mangal"/>
+        <a:font script="Telu" typeface="Gautami"/>
+        <a:font script="Taml" typeface="Latha"/>
+        <a:font script="Syrc" typeface="Estrangelo Edessa"/>
+        <a:font script="Orya" typeface="Kalinga"/>
+        <a:font script="Mlym" typeface="Kartika"/>
+        <a:font script="Laoo" typeface="DokChampa"/>
+        <a:font script="Sinh" typeface="Iskoola Pota"/>
+        <a:font script="Mong" typeface="Mongolian Baiti"/>
+        <a:font script="Viet" typeface="Times New Roman"/>
+        <a:font script="Uigh" typeface="Microsoft Uighur"/>
+        <a:font script="Geor" typeface="Sylfaen"/>
+        <a:font script="Armn" typeface="Arial"/>
+        <a:font script="Bugi" typeface="Leelawadee UI"/>
+        <a:font script="Bopo" typeface="Microsoft JhengHei"/>
+        <a:font script="Java" typeface="Javanese Text"/>
+        <a:font script="Lisu" typeface="Segoe UI"/>
+        <a:font script="Mymr" typeface="Myanmar Text"/>
+        <a:font script="Nkoo" typeface="Ebrima"/>
+        <a:font script="Olck" typeface="Nirmala UI"/>
+        <a:font script="Osma" typeface="Ebrima"/>
+        <a:font script="Phag" typeface="Phagspa"/>
+        <a:font script="Syrn" typeface="Estrangelo Edessa"/>
+        <a:font script="Syrj" typeface="Estrangelo Edessa"/>
+        <a:font script="Syre" typeface="Estrangelo Edessa"/>
+        <a:font script="Sora" typeface="Nirmala UI"/>
+        <a:font script="Tale" typeface="Microsoft Tai Le"/>
+        <a:font script="Talu" typeface="Microsoft New Tai Lue"/>
+        <a:font script="Tfng" typeface="Ebrima"/>
+      </a:majorFont>
+      <a:minorFont>
+        <a:latin typeface="Calibri" panose="020F0502020204030204"/>
+        <a:ea typeface=""/>
+        <a:cs typeface=""/>
+        <a:font script="Jpan" typeface="游ゴシック"/>
+        <a:font script="Hang" typeface="맑은 고딕"/>
+        <a:font script="Hans" typeface="等线"/>
+        <a:font script="Hant" typeface="新細明體"/>
+        <a:font script="Arab" typeface="Arial"/>
+        <a:font script="Hebr" typeface="Arial"/>
+        <a:font script="Thai" typeface="Cordia New"/>
+        <a:font script="Ethi" typeface="Nyala"/>
+        <a:font script="Beng" typeface="Vrinda"/>
+        <a:font script="Gujr" typeface="Shruti"/>
+        <a:font script="Khmr" typeface="DaunPenh"/>
+        <a:font script="Knda" typeface="Tunga"/>
+        <a:font script="Guru" typeface="Raavi"/>
+        <a:font script="Cans" typeface="Euphemia"/>
+        <a:font script="Cher" typeface="Plantagenet Cherokee"/>
+        <a:font script="Yiii" typeface="Microsoft Yi Baiti"/>
+        <a:font script="Tibt" typeface="Microsoft Himalaya"/>
+        <a:font script="Thaa" typeface="MV Boli"/>
+        <a:font script="Deva" typeface="Mangal"/>
+        <a:font script="Telu" typeface="Gautami"/>
+        <a:font script="Taml" typeface="Latha"/>
+        <a:font script="Syrc" typeface="Estrangelo Edessa"/>
+        <a:font script="Orya" typeface="Kalinga"/>
+        <a:font script="Mlym" typeface="Kartika"/>
+        <a:font script="Laoo" typeface="DokChampa"/>
+        <a:font script="Sinh" typeface="Iskoola Pota"/>
+        <a:font script="Mong" typeface="Mongolian Baiti"/>
+        <a:font script="Viet" typeface="Arial"/>
+        <a:font script="Uigh" typeface="Microsoft Uighur"/>
+        <a:font script="Geor" typeface="Sylfaen"/>
+        <a:font script="Armn" typeface="Arial"/>
+        <a:font script="Bugi" typeface="Leelawadee UI"/>
+        <a:font script="Bopo" typeface="Microsoft JhengHei"/>
+        <a:font script="Java" typeface="Javanese Text"/>
+        <a:font script="Lisu" typeface="Segoe UI"/>
+        <a:font script="Mymr" typeface="Myanmar Text"/>
+        <a:font script="Nkoo" typeface="Ebrima"/>
+        <a:font script="Olck" typeface="Nirmala UI"/>
+        <a:font script="Osma" typeface="Ebrima"/>
+        <a:font script="Phag" typeface="Phagspa"/>
+        <a:font script="Syrn" typeface="Estrangelo Edessa"/>
+        <a:font script="Syrj" typeface="Estrangelo Edessa"/>
+        <a:font script="Syre" typeface="Estrangelo Edessa"/>
+        <a:font script="Sora" typeface="Nirmala UI"/>
+        <a:font script="Tale" typeface="Microsoft Tai Le"/>
+        <a:font script="Talu" typeface="Microsoft New Tai Lue"/>
+        <a:font script="Tfng" typeface="Ebrima"/>
+      </a:minorFont>
+    </a:fontScheme>
+    <a:fmtScheme name="Office">
+      <a:fillStyleLst>
+        <a:solidFill>
+          <a:schemeClr val="phClr"/>
+        </a:solidFill>
+        <a:gradFill rotWithShape="1">
+          <a:gsLst>
+            <a:gs pos="0">
+              <a:schemeClr val="phClr">
+                <a:lumMod val="110000"/>
+                <a:satMod val="105000"/>
+                <a:tint val="67000"/>
+              </a:schemeClr>
+            </a:gs>
+            <a:gs pos="50000">
+              <a:schemeClr val="phClr">
+                <a:lumMod val="105000"/>
+                <a:satMod val="103000"/>
+                <a:tint val="73000"/>
+              </a:schemeClr>
+            </a:gs>
+            <a:gs pos="100000">
+              <a:schemeClr val="phClr">
+                <a:lumMod val="105000"/>
+                <a:satMod val="109000"/>
+                <a:tint val="81000"/>
+              </a:schemeClr>
+            </a:gs>
+          </a:gsLst>
+          <a:lin ang="5400000" scaled="0"/>
+        </a:gradFill>
+        <a:gradFill rotWithShape="1">
+          <a:gsLst>
+            <a:gs pos="0">
+              <a:schemeClr val="phClr">
+                <a:satMod val="103000"/>
+                <a:lumMod val="102000"/>
+                <a:tint val="94000"/>
+              </a:schemeClr>
+            </a:gs>
+            <a:gs pos="50000">
+              <a:schemeClr val="phClr">
+                <a:satMod val="110000"/>
+                <a:lumMod val="100000"/>
+                <a:shade val="100000"/>
+              </a:schemeClr>
+            </a:gs>
+            <a:gs pos="100000">
+              <a:schemeClr val="phClr">
+                <a:lumMod val="99000"/>
+                <a:satMod val="120000"/>
+                <a:shade val="78000"/>
+              </a:schemeClr>
+            </a:gs>
+          </a:gsLst>
+          <a:lin ang="5400000" scaled="0"/>
+        </a:gradFill>
+      </a:fillStyleLst>
+      <a:lnStyleLst>
+        <a:ln w="6350" cap="flat" cmpd="sng" algn="ctr">
+          <a:solidFill>
+            <a:schemeClr val="phClr"/>
+          </a:solidFill>
+          <a:prstDash val="solid"/>
+          <a:miter lim="800000"/>
+        </a:ln>
+        <a:ln w="12700" cap="flat" cmpd="sng" algn="ctr">
+          <a:solidFill>
+            <a:schemeClr val="phClr"/>
+          </a:solidFill>
+          <a:prstDash val="solid"/>
+          <a:miter lim="800000"/>
+        </a:ln>
+        <a:ln w="19050" cap="flat" cmpd="sng" algn="ctr">
+          <a:solidFill>
+            <a:schemeClr val="phClr"/>
+          </a:solidFill>
+          <a:prstDash val="solid"/>
+          <a:miter lim="800000"/>
+        </a:ln>
+      </a:lnStyleLst>
+      <a:effectStyleLst>
+        <a:effectStyle>
+          <a:effectLst/>
+        </a:effectStyle>
+        <a:effectStyle>
+          <a:effectLst/>
+        </a:effectStyle>
+        <a:effectStyle>
+          <a:effectLst>
+            <a:outerShdw blurRad="57150" dist="19050" dir="5400000" algn="ctr" rotWithShape="0">
+              <a:srgbClr val="000000">
+                <a:alpha val="63000"/>
+              </a:srgbClr>
+            </a:outerShdw>
+          </a:effectLst>
+        </a:effectStyle>
+      </a:effectStyleLst>
+      <a:bgFillStyleLst>
+        <a:solidFill>
+          <a:schemeClr val="phClr"/>
+        </a:solidFill>
+        <a:solidFill>
+          <a:schemeClr val="phClr">
+            <a:tint val="95000"/>
+            <a:satMod val="170000"/>
+          </a:schemeClr>
+        </a:solidFill>
+        <a:gradFill rotWithShape="1">
+          <a:gsLst>
+            <a:gs pos="0">
+              <a:schemeClr val="phClr">
+                <a:tint val="93000"/>
+                <a:satMod val="150000"/>
+                <a:shade val="98000"/>
+                <a:lumMod val="102000"/>
+              </a:schemeClr>
+            </a:gs>
+            <a:gs pos="50000">
+              <a:schemeClr val="phClr">
+                <a:tint val="98000"/>
+                <a:satMod val="130000"/>
+                <a:shade val="90000"/>
+                <a:lumMod val="103000"/>
+              </a:schemeClr>
+            </a:gs>
+            <a:gs pos="100000">
+              <a:schemeClr val="phClr">
+                <a:shade val="63000"/>
+                <a:satMod val="120000"/>
+              </a:schemeClr>
+            </a:gs>
+          </a:gsLst>
+          <a:lin ang="5400000" scaled="0"/>
+        </a:gradFill>
+      </a:bgFillStyleLst>
+    </a:fmtScheme>
+  </a:themeElements>
+  <a:objectDefaults/>
+  <a:extraClrSchemeLst/>
+  <a:extLst>
+    <a:ext uri="{05A4C25C-085E-4340-85A3-A5531E510DB2}">
+      <thm15:themeFamily xmlns:thm15="http://schemas.microsoft.com/office/thememl/2012/main" name="Office Theme" id="{62F939B6-93AF-4DB8-9C6B-D6C7DFDC589F}" vid="{4A3C46E8-61CC-4603-A589-7422A47A8E4A}"/>
+    </a:ext>
+  </a:extLst>
+</a:theme>
 </file>